--- a/systems/АКМС_2_Сенькевич_ИКБО-30-22.pptx
+++ b/systems/АКМС_2_Сенькевич_ИКБО-30-22.pptx
@@ -111,6 +111,11 @@
       </a:defRPr>
     </a:lvl9pPr>
   </p:defaultTextStyle>
+  <p:extLst>
+    <p:ext uri="{EFAFB233-063F-42B5-8137-9DF3F51BA10A}">
+      <p15:sldGuideLst xmlns:p15="http://schemas.microsoft.com/office/powerpoint/2012/main"/>
+    </p:ext>
+  </p:extLst>
 </p:presentation>
 </file>
 
@@ -263,7 +268,7 @@
           <a:p>
             <a:fld id="{FA405C8C-D465-9949-8605-E1CC048AE8F3}" type="datetimeFigureOut">
               <a:rPr lang="en-RU" smtClean="0"/>
-              <a:t>22.02.2024</a:t>
+              <a:t>22.03.2024</a:t>
             </a:fld>
             <a:endParaRPr lang="en-RU"/>
           </a:p>
@@ -463,7 +468,7 @@
           <a:p>
             <a:fld id="{FA405C8C-D465-9949-8605-E1CC048AE8F3}" type="datetimeFigureOut">
               <a:rPr lang="en-RU" smtClean="0"/>
-              <a:t>22.02.2024</a:t>
+              <a:t>22.03.2024</a:t>
             </a:fld>
             <a:endParaRPr lang="en-RU"/>
           </a:p>
@@ -673,7 +678,7 @@
           <a:p>
             <a:fld id="{FA405C8C-D465-9949-8605-E1CC048AE8F3}" type="datetimeFigureOut">
               <a:rPr lang="en-RU" smtClean="0"/>
-              <a:t>22.02.2024</a:t>
+              <a:t>22.03.2024</a:t>
             </a:fld>
             <a:endParaRPr lang="en-RU"/>
           </a:p>
@@ -873,7 +878,7 @@
           <a:p>
             <a:fld id="{FA405C8C-D465-9949-8605-E1CC048AE8F3}" type="datetimeFigureOut">
               <a:rPr lang="en-RU" smtClean="0"/>
-              <a:t>22.02.2024</a:t>
+              <a:t>22.03.2024</a:t>
             </a:fld>
             <a:endParaRPr lang="en-RU"/>
           </a:p>
@@ -1149,7 +1154,7 @@
           <a:p>
             <a:fld id="{FA405C8C-D465-9949-8605-E1CC048AE8F3}" type="datetimeFigureOut">
               <a:rPr lang="en-RU" smtClean="0"/>
-              <a:t>22.02.2024</a:t>
+              <a:t>22.03.2024</a:t>
             </a:fld>
             <a:endParaRPr lang="en-RU"/>
           </a:p>
@@ -1417,7 +1422,7 @@
           <a:p>
             <a:fld id="{FA405C8C-D465-9949-8605-E1CC048AE8F3}" type="datetimeFigureOut">
               <a:rPr lang="en-RU" smtClean="0"/>
-              <a:t>22.02.2024</a:t>
+              <a:t>22.03.2024</a:t>
             </a:fld>
             <a:endParaRPr lang="en-RU"/>
           </a:p>
@@ -1832,7 +1837,7 @@
           <a:p>
             <a:fld id="{FA405C8C-D465-9949-8605-E1CC048AE8F3}" type="datetimeFigureOut">
               <a:rPr lang="en-RU" smtClean="0"/>
-              <a:t>22.02.2024</a:t>
+              <a:t>22.03.2024</a:t>
             </a:fld>
             <a:endParaRPr lang="en-RU"/>
           </a:p>
@@ -1974,7 +1979,7 @@
           <a:p>
             <a:fld id="{FA405C8C-D465-9949-8605-E1CC048AE8F3}" type="datetimeFigureOut">
               <a:rPr lang="en-RU" smtClean="0"/>
-              <a:t>22.02.2024</a:t>
+              <a:t>22.03.2024</a:t>
             </a:fld>
             <a:endParaRPr lang="en-RU"/>
           </a:p>
@@ -2087,7 +2092,7 @@
           <a:p>
             <a:fld id="{FA405C8C-D465-9949-8605-E1CC048AE8F3}" type="datetimeFigureOut">
               <a:rPr lang="en-RU" smtClean="0"/>
-              <a:t>22.02.2024</a:t>
+              <a:t>22.03.2024</a:t>
             </a:fld>
             <a:endParaRPr lang="en-RU"/>
           </a:p>
@@ -2400,7 +2405,7 @@
           <a:p>
             <a:fld id="{FA405C8C-D465-9949-8605-E1CC048AE8F3}" type="datetimeFigureOut">
               <a:rPr lang="en-RU" smtClean="0"/>
-              <a:t>22.02.2024</a:t>
+              <a:t>22.03.2024</a:t>
             </a:fld>
             <a:endParaRPr lang="en-RU"/>
           </a:p>
@@ -2689,7 +2694,7 @@
           <a:p>
             <a:fld id="{FA405C8C-D465-9949-8605-E1CC048AE8F3}" type="datetimeFigureOut">
               <a:rPr lang="en-RU" smtClean="0"/>
-              <a:t>22.02.2024</a:t>
+              <a:t>22.03.2024</a:t>
             </a:fld>
             <a:endParaRPr lang="en-RU"/>
           </a:p>
@@ -2932,7 +2937,7 @@
           <a:p>
             <a:fld id="{FA405C8C-D465-9949-8605-E1CC048AE8F3}" type="datetimeFigureOut">
               <a:rPr lang="en-RU" smtClean="0"/>
-              <a:t>22.02.2024</a:t>
+              <a:t>22.03.2024</a:t>
             </a:fld>
             <a:endParaRPr lang="en-RU"/>
           </a:p>
@@ -7570,49 +7575,32 @@
       </p:sp>
       <p:pic>
         <p:nvPicPr>
-          <p:cNvPr id="4098" name="Picture 2">
+          <p:cNvPr id="4" name="Picture 3">
             <a:extLst>
               <a:ext uri="{FF2B5EF4-FFF2-40B4-BE49-F238E27FC236}">
-                <a16:creationId xmlns:a16="http://schemas.microsoft.com/office/drawing/2014/main" id="{C5E0F584-EC41-6284-4144-841885AC87E1}"/>
+                <a16:creationId xmlns:a16="http://schemas.microsoft.com/office/drawing/2014/main" id="{148DB2EC-393B-7B63-4305-1345FFEF00D2}"/>
               </a:ext>
             </a:extLst>
           </p:cNvPr>
           <p:cNvPicPr>
-            <a:picLocks noChangeAspect="1" noChangeArrowheads="1"/>
+            <a:picLocks noChangeAspect="1"/>
           </p:cNvPicPr>
           <p:nvPr/>
         </p:nvPicPr>
         <p:blipFill>
-          <a:blip r:embed="rId2">
-            <a:extLst>
-              <a:ext uri="{28A0092B-C50C-407E-A947-70E740481C1C}">
-                <a14:useLocalDpi xmlns:a14="http://schemas.microsoft.com/office/drawing/2010/main" val="0"/>
-              </a:ext>
-            </a:extLst>
-          </a:blip>
-          <a:srcRect/>
+          <a:blip r:embed="rId2"/>
           <a:stretch>
             <a:fillRect/>
           </a:stretch>
         </p:blipFill>
-        <p:spPr bwMode="auto">
+        <p:spPr>
           <a:xfrm>
-            <a:off x="1868556" y="997220"/>
-            <a:ext cx="8824982" cy="5815119"/>
+            <a:off x="1996384" y="1066208"/>
+            <a:ext cx="8199231" cy="5384288"/>
           </a:xfrm>
           <a:prstGeom prst="rect">
             <a:avLst/>
           </a:prstGeom>
-          <a:noFill/>
-          <a:extLst>
-            <a:ext uri="{909E8E84-426E-40DD-AFC4-6F175D3DCCD1}">
-              <a14:hiddenFill xmlns:a14="http://schemas.microsoft.com/office/drawing/2010/main">
-                <a:solidFill>
-                  <a:srgbClr val="FFFFFF"/>
-                </a:solidFill>
-              </a14:hiddenFill>
-            </a:ext>
-          </a:extLst>
         </p:spPr>
       </p:pic>
     </p:spTree>
